--- a/ppt 16-9/0653.举起救恩的杯.pptx
+++ b/ppt 16-9/0653.举起救恩的杯.pptx
@@ -129,7 +129,7 @@
           <p:cNvPr id="2" name="标题 1">
             <a:extLst>
               <a:ext uri="{FF2B5EF4-FFF2-40B4-BE49-F238E27FC236}">
-                <a16:creationId xmlns:a16="http://schemas.microsoft.com/office/drawing/2014/main" id="{902C1B8F-5A90-BA50-3510-BD7941F59FA7}"/>
+                <a16:creationId xmlns:a16="http://schemas.microsoft.com/office/drawing/2014/main" id="{3F6CE53F-95E1-9791-B2C0-0702BDA4FBA8}"/>
               </a:ext>
             </a:extLst>
           </p:cNvPr>
@@ -166,7 +166,7 @@
           <p:cNvPr id="3" name="副标题 2">
             <a:extLst>
               <a:ext uri="{FF2B5EF4-FFF2-40B4-BE49-F238E27FC236}">
-                <a16:creationId xmlns:a16="http://schemas.microsoft.com/office/drawing/2014/main" id="{C8E2368C-C880-BAA5-635C-80075C5C1817}"/>
+                <a16:creationId xmlns:a16="http://schemas.microsoft.com/office/drawing/2014/main" id="{2E0DBBEF-172C-89D4-6782-9388FCAA77A9}"/>
               </a:ext>
             </a:extLst>
           </p:cNvPr>
@@ -236,7 +236,7 @@
           <p:cNvPr id="4" name="日期占位符 3">
             <a:extLst>
               <a:ext uri="{FF2B5EF4-FFF2-40B4-BE49-F238E27FC236}">
-                <a16:creationId xmlns:a16="http://schemas.microsoft.com/office/drawing/2014/main" id="{4601634E-9520-8820-0F78-709BF00168C1}"/>
+                <a16:creationId xmlns:a16="http://schemas.microsoft.com/office/drawing/2014/main" id="{039D3DE8-0E76-2124-8DA0-D253850E19F4}"/>
               </a:ext>
             </a:extLst>
           </p:cNvPr>
@@ -252,7 +252,7 @@
           <a:bodyPr/>
           <a:lstStyle/>
           <a:p>
-            <a:fld id="{04789853-7002-4C0F-B779-5B0F447E608B}" type="datetimeFigureOut">
+            <a:fld id="{0117C2A5-2298-4A4E-B4BC-04A129977EF1}" type="datetimeFigureOut">
               <a:rPr lang="zh-CN" altLang="en-US" smtClean="0"/>
               <a:t>2024/3/10</a:t>
             </a:fld>
@@ -265,7 +265,7 @@
           <p:cNvPr id="5" name="页脚占位符 4">
             <a:extLst>
               <a:ext uri="{FF2B5EF4-FFF2-40B4-BE49-F238E27FC236}">
-                <a16:creationId xmlns:a16="http://schemas.microsoft.com/office/drawing/2014/main" id="{143CC1E3-B0AB-7199-AFFA-B85BE47C9231}"/>
+                <a16:creationId xmlns:a16="http://schemas.microsoft.com/office/drawing/2014/main" id="{C30AA9DC-4B31-2603-B6BD-9A0AFC2854AA}"/>
               </a:ext>
             </a:extLst>
           </p:cNvPr>
@@ -290,7 +290,7 @@
           <p:cNvPr id="6" name="灯片编号占位符 5">
             <a:extLst>
               <a:ext uri="{FF2B5EF4-FFF2-40B4-BE49-F238E27FC236}">
-                <a16:creationId xmlns:a16="http://schemas.microsoft.com/office/drawing/2014/main" id="{DCDDD775-56DD-C35C-9543-8D3654069BD8}"/>
+                <a16:creationId xmlns:a16="http://schemas.microsoft.com/office/drawing/2014/main" id="{DD29F4DF-C059-704B-6C8A-5F9BBD11F2EC}"/>
               </a:ext>
             </a:extLst>
           </p:cNvPr>
@@ -306,7 +306,7 @@
           <a:bodyPr/>
           <a:lstStyle/>
           <a:p>
-            <a:fld id="{B9D30F9C-882C-46BD-A886-F1FD0A1FA72F}" type="slidenum">
+            <a:fld id="{8F2AAA96-213E-462E-92AA-6D6DF9DFCA24}" type="slidenum">
               <a:rPr lang="zh-CN" altLang="en-US" smtClean="0"/>
               <a:t>‹#›</a:t>
             </a:fld>
@@ -317,7 +317,7 @@
     </p:spTree>
     <p:extLst>
       <p:ext uri="{BB962C8B-B14F-4D97-AF65-F5344CB8AC3E}">
-        <p14:creationId xmlns:p14="http://schemas.microsoft.com/office/powerpoint/2010/main" val="426923172"/>
+        <p14:creationId xmlns:p14="http://schemas.microsoft.com/office/powerpoint/2010/main" val="392138595"/>
       </p:ext>
     </p:extLst>
   </p:cSld>
@@ -349,7 +349,7 @@
           <p:cNvPr id="2" name="标题 1">
             <a:extLst>
               <a:ext uri="{FF2B5EF4-FFF2-40B4-BE49-F238E27FC236}">
-                <a16:creationId xmlns:a16="http://schemas.microsoft.com/office/drawing/2014/main" id="{99656A45-C865-2EF2-49F0-ABE05A73D27E}"/>
+                <a16:creationId xmlns:a16="http://schemas.microsoft.com/office/drawing/2014/main" id="{643E4B40-C15A-BC83-5610-55F58EA85302}"/>
               </a:ext>
             </a:extLst>
           </p:cNvPr>
@@ -377,7 +377,7 @@
           <p:cNvPr id="3" name="竖排文字占位符 2">
             <a:extLst>
               <a:ext uri="{FF2B5EF4-FFF2-40B4-BE49-F238E27FC236}">
-                <a16:creationId xmlns:a16="http://schemas.microsoft.com/office/drawing/2014/main" id="{DE6DAE30-A0B1-00E9-776E-75C3298CE2CF}"/>
+                <a16:creationId xmlns:a16="http://schemas.microsoft.com/office/drawing/2014/main" id="{06EB9DB8-E1BB-8B8B-32E9-9A27F83D551C}"/>
               </a:ext>
             </a:extLst>
           </p:cNvPr>
@@ -434,7 +434,7 @@
           <p:cNvPr id="4" name="日期占位符 3">
             <a:extLst>
               <a:ext uri="{FF2B5EF4-FFF2-40B4-BE49-F238E27FC236}">
-                <a16:creationId xmlns:a16="http://schemas.microsoft.com/office/drawing/2014/main" id="{B6388CFC-1374-DF87-BE12-C5A12FC5C0E7}"/>
+                <a16:creationId xmlns:a16="http://schemas.microsoft.com/office/drawing/2014/main" id="{CABBCC16-24B6-8B39-9427-44A0D7F8E87A}"/>
               </a:ext>
             </a:extLst>
           </p:cNvPr>
@@ -450,7 +450,7 @@
           <a:bodyPr/>
           <a:lstStyle/>
           <a:p>
-            <a:fld id="{04789853-7002-4C0F-B779-5B0F447E608B}" type="datetimeFigureOut">
+            <a:fld id="{0117C2A5-2298-4A4E-B4BC-04A129977EF1}" type="datetimeFigureOut">
               <a:rPr lang="zh-CN" altLang="en-US" smtClean="0"/>
               <a:t>2024/3/10</a:t>
             </a:fld>
@@ -463,7 +463,7 @@
           <p:cNvPr id="5" name="页脚占位符 4">
             <a:extLst>
               <a:ext uri="{FF2B5EF4-FFF2-40B4-BE49-F238E27FC236}">
-                <a16:creationId xmlns:a16="http://schemas.microsoft.com/office/drawing/2014/main" id="{AC1CA497-0D26-43C6-AF78-B3BE7865644B}"/>
+                <a16:creationId xmlns:a16="http://schemas.microsoft.com/office/drawing/2014/main" id="{84A477BF-C0DB-D6AA-3CDC-927F72BAE249}"/>
               </a:ext>
             </a:extLst>
           </p:cNvPr>
@@ -488,7 +488,7 @@
           <p:cNvPr id="6" name="灯片编号占位符 5">
             <a:extLst>
               <a:ext uri="{FF2B5EF4-FFF2-40B4-BE49-F238E27FC236}">
-                <a16:creationId xmlns:a16="http://schemas.microsoft.com/office/drawing/2014/main" id="{9D089AA6-044A-C739-5D86-3B5E75B1A220}"/>
+                <a16:creationId xmlns:a16="http://schemas.microsoft.com/office/drawing/2014/main" id="{A0B513D6-0418-BF3B-9B37-6FE2F2DDC088}"/>
               </a:ext>
             </a:extLst>
           </p:cNvPr>
@@ -504,7 +504,7 @@
           <a:bodyPr/>
           <a:lstStyle/>
           <a:p>
-            <a:fld id="{B9D30F9C-882C-46BD-A886-F1FD0A1FA72F}" type="slidenum">
+            <a:fld id="{8F2AAA96-213E-462E-92AA-6D6DF9DFCA24}" type="slidenum">
               <a:rPr lang="zh-CN" altLang="en-US" smtClean="0"/>
               <a:t>‹#›</a:t>
             </a:fld>
@@ -515,7 +515,7 @@
     </p:spTree>
     <p:extLst>
       <p:ext uri="{BB962C8B-B14F-4D97-AF65-F5344CB8AC3E}">
-        <p14:creationId xmlns:p14="http://schemas.microsoft.com/office/powerpoint/2010/main" val="3117631929"/>
+        <p14:creationId xmlns:p14="http://schemas.microsoft.com/office/powerpoint/2010/main" val="4056190146"/>
       </p:ext>
     </p:extLst>
   </p:cSld>
@@ -547,7 +547,7 @@
           <p:cNvPr id="2" name="竖排标题 1">
             <a:extLst>
               <a:ext uri="{FF2B5EF4-FFF2-40B4-BE49-F238E27FC236}">
-                <a16:creationId xmlns:a16="http://schemas.microsoft.com/office/drawing/2014/main" id="{B72FE2BF-E9B7-B8D0-D397-D832A871216C}"/>
+                <a16:creationId xmlns:a16="http://schemas.microsoft.com/office/drawing/2014/main" id="{C412B123-0338-28FB-4EB5-2E7207648E8A}"/>
               </a:ext>
             </a:extLst>
           </p:cNvPr>
@@ -580,7 +580,7 @@
           <p:cNvPr id="3" name="竖排文字占位符 2">
             <a:extLst>
               <a:ext uri="{FF2B5EF4-FFF2-40B4-BE49-F238E27FC236}">
-                <a16:creationId xmlns:a16="http://schemas.microsoft.com/office/drawing/2014/main" id="{4EDF547D-FF99-DCDB-12A1-605A441B3914}"/>
+                <a16:creationId xmlns:a16="http://schemas.microsoft.com/office/drawing/2014/main" id="{08D48ACB-A10A-A65F-8B34-12D6D81AEFBD}"/>
               </a:ext>
             </a:extLst>
           </p:cNvPr>
@@ -642,7 +642,7 @@
           <p:cNvPr id="4" name="日期占位符 3">
             <a:extLst>
               <a:ext uri="{FF2B5EF4-FFF2-40B4-BE49-F238E27FC236}">
-                <a16:creationId xmlns:a16="http://schemas.microsoft.com/office/drawing/2014/main" id="{7F190B65-47EB-A717-89DF-97B63EF77749}"/>
+                <a16:creationId xmlns:a16="http://schemas.microsoft.com/office/drawing/2014/main" id="{8D2FE591-6ED3-25D1-011A-51640555774B}"/>
               </a:ext>
             </a:extLst>
           </p:cNvPr>
@@ -658,7 +658,7 @@
           <a:bodyPr/>
           <a:lstStyle/>
           <a:p>
-            <a:fld id="{04789853-7002-4C0F-B779-5B0F447E608B}" type="datetimeFigureOut">
+            <a:fld id="{0117C2A5-2298-4A4E-B4BC-04A129977EF1}" type="datetimeFigureOut">
               <a:rPr lang="zh-CN" altLang="en-US" smtClean="0"/>
               <a:t>2024/3/10</a:t>
             </a:fld>
@@ -671,7 +671,7 @@
           <p:cNvPr id="5" name="页脚占位符 4">
             <a:extLst>
               <a:ext uri="{FF2B5EF4-FFF2-40B4-BE49-F238E27FC236}">
-                <a16:creationId xmlns:a16="http://schemas.microsoft.com/office/drawing/2014/main" id="{B99B3ABD-930B-BA4D-BD95-1126F80D1E41}"/>
+                <a16:creationId xmlns:a16="http://schemas.microsoft.com/office/drawing/2014/main" id="{1F5B3146-4488-75F4-B963-93FC18E61BE4}"/>
               </a:ext>
             </a:extLst>
           </p:cNvPr>
@@ -696,7 +696,7 @@
           <p:cNvPr id="6" name="灯片编号占位符 5">
             <a:extLst>
               <a:ext uri="{FF2B5EF4-FFF2-40B4-BE49-F238E27FC236}">
-                <a16:creationId xmlns:a16="http://schemas.microsoft.com/office/drawing/2014/main" id="{1262FB8A-57D8-BC64-B29B-63D79FE02F20}"/>
+                <a16:creationId xmlns:a16="http://schemas.microsoft.com/office/drawing/2014/main" id="{70453A8F-E680-4FA4-ABB7-BA043CF50259}"/>
               </a:ext>
             </a:extLst>
           </p:cNvPr>
@@ -712,7 +712,7 @@
           <a:bodyPr/>
           <a:lstStyle/>
           <a:p>
-            <a:fld id="{B9D30F9C-882C-46BD-A886-F1FD0A1FA72F}" type="slidenum">
+            <a:fld id="{8F2AAA96-213E-462E-92AA-6D6DF9DFCA24}" type="slidenum">
               <a:rPr lang="zh-CN" altLang="en-US" smtClean="0"/>
               <a:t>‹#›</a:t>
             </a:fld>
@@ -723,7 +723,7 @@
     </p:spTree>
     <p:extLst>
       <p:ext uri="{BB962C8B-B14F-4D97-AF65-F5344CB8AC3E}">
-        <p14:creationId xmlns:p14="http://schemas.microsoft.com/office/powerpoint/2010/main" val="4044262964"/>
+        <p14:creationId xmlns:p14="http://schemas.microsoft.com/office/powerpoint/2010/main" val="2257185057"/>
       </p:ext>
     </p:extLst>
   </p:cSld>
@@ -755,7 +755,7 @@
           <p:cNvPr id="2" name="标题 1">
             <a:extLst>
               <a:ext uri="{FF2B5EF4-FFF2-40B4-BE49-F238E27FC236}">
-                <a16:creationId xmlns:a16="http://schemas.microsoft.com/office/drawing/2014/main" id="{46E65067-B981-2E8D-3631-4DCB3F8BB7BF}"/>
+                <a16:creationId xmlns:a16="http://schemas.microsoft.com/office/drawing/2014/main" id="{6B0036F7-BC74-14D7-2322-E0D930F3218C}"/>
               </a:ext>
             </a:extLst>
           </p:cNvPr>
@@ -783,7 +783,7 @@
           <p:cNvPr id="3" name="内容占位符 2">
             <a:extLst>
               <a:ext uri="{FF2B5EF4-FFF2-40B4-BE49-F238E27FC236}">
-                <a16:creationId xmlns:a16="http://schemas.microsoft.com/office/drawing/2014/main" id="{254F86CB-1783-8104-F15A-0E729425A8D9}"/>
+                <a16:creationId xmlns:a16="http://schemas.microsoft.com/office/drawing/2014/main" id="{A7E87F2C-1B95-BB40-1F58-94D9E50FF784}"/>
               </a:ext>
             </a:extLst>
           </p:cNvPr>
@@ -840,7 +840,7 @@
           <p:cNvPr id="4" name="日期占位符 3">
             <a:extLst>
               <a:ext uri="{FF2B5EF4-FFF2-40B4-BE49-F238E27FC236}">
-                <a16:creationId xmlns:a16="http://schemas.microsoft.com/office/drawing/2014/main" id="{1F0169C9-56C7-EA96-6143-D2038C2DFE37}"/>
+                <a16:creationId xmlns:a16="http://schemas.microsoft.com/office/drawing/2014/main" id="{19D67C9E-55AF-960F-518B-91A659A126B6}"/>
               </a:ext>
             </a:extLst>
           </p:cNvPr>
@@ -856,7 +856,7 @@
           <a:bodyPr/>
           <a:lstStyle/>
           <a:p>
-            <a:fld id="{04789853-7002-4C0F-B779-5B0F447E608B}" type="datetimeFigureOut">
+            <a:fld id="{0117C2A5-2298-4A4E-B4BC-04A129977EF1}" type="datetimeFigureOut">
               <a:rPr lang="zh-CN" altLang="en-US" smtClean="0"/>
               <a:t>2024/3/10</a:t>
             </a:fld>
@@ -869,7 +869,7 @@
           <p:cNvPr id="5" name="页脚占位符 4">
             <a:extLst>
               <a:ext uri="{FF2B5EF4-FFF2-40B4-BE49-F238E27FC236}">
-                <a16:creationId xmlns:a16="http://schemas.microsoft.com/office/drawing/2014/main" id="{3E12CEBA-5B8F-781E-75C8-51E1B0F5579F}"/>
+                <a16:creationId xmlns:a16="http://schemas.microsoft.com/office/drawing/2014/main" id="{DBD58F6B-AF56-6B47-6DB0-14EA6A20B4DB}"/>
               </a:ext>
             </a:extLst>
           </p:cNvPr>
@@ -894,7 +894,7 @@
           <p:cNvPr id="6" name="灯片编号占位符 5">
             <a:extLst>
               <a:ext uri="{FF2B5EF4-FFF2-40B4-BE49-F238E27FC236}">
-                <a16:creationId xmlns:a16="http://schemas.microsoft.com/office/drawing/2014/main" id="{E5BF4AAE-AD9F-9D03-7667-3F16340FA046}"/>
+                <a16:creationId xmlns:a16="http://schemas.microsoft.com/office/drawing/2014/main" id="{BD89695E-4CC8-8249-8CA1-56D917F88ED7}"/>
               </a:ext>
             </a:extLst>
           </p:cNvPr>
@@ -910,7 +910,7 @@
           <a:bodyPr/>
           <a:lstStyle/>
           <a:p>
-            <a:fld id="{B9D30F9C-882C-46BD-A886-F1FD0A1FA72F}" type="slidenum">
+            <a:fld id="{8F2AAA96-213E-462E-92AA-6D6DF9DFCA24}" type="slidenum">
               <a:rPr lang="zh-CN" altLang="en-US" smtClean="0"/>
               <a:t>‹#›</a:t>
             </a:fld>
@@ -921,7 +921,7 @@
     </p:spTree>
     <p:extLst>
       <p:ext uri="{BB962C8B-B14F-4D97-AF65-F5344CB8AC3E}">
-        <p14:creationId xmlns:p14="http://schemas.microsoft.com/office/powerpoint/2010/main" val="2272738048"/>
+        <p14:creationId xmlns:p14="http://schemas.microsoft.com/office/powerpoint/2010/main" val="3412434467"/>
       </p:ext>
     </p:extLst>
   </p:cSld>
@@ -953,7 +953,7 @@
           <p:cNvPr id="2" name="标题 1">
             <a:extLst>
               <a:ext uri="{FF2B5EF4-FFF2-40B4-BE49-F238E27FC236}">
-                <a16:creationId xmlns:a16="http://schemas.microsoft.com/office/drawing/2014/main" id="{49C7A4F7-18F5-CC36-0502-D5EAFE0D23A4}"/>
+                <a16:creationId xmlns:a16="http://schemas.microsoft.com/office/drawing/2014/main" id="{D513421E-E08F-284B-4C0A-DA5D23A25854}"/>
               </a:ext>
             </a:extLst>
           </p:cNvPr>
@@ -990,7 +990,7 @@
           <p:cNvPr id="3" name="文本占位符 2">
             <a:extLst>
               <a:ext uri="{FF2B5EF4-FFF2-40B4-BE49-F238E27FC236}">
-                <a16:creationId xmlns:a16="http://schemas.microsoft.com/office/drawing/2014/main" id="{10EE00CC-EA3B-1800-053F-9D763B4D6A6D}"/>
+                <a16:creationId xmlns:a16="http://schemas.microsoft.com/office/drawing/2014/main" id="{20A7C7DD-7001-C470-467D-EEFD71527E7D}"/>
               </a:ext>
             </a:extLst>
           </p:cNvPr>
@@ -1115,7 +1115,7 @@
           <p:cNvPr id="4" name="日期占位符 3">
             <a:extLst>
               <a:ext uri="{FF2B5EF4-FFF2-40B4-BE49-F238E27FC236}">
-                <a16:creationId xmlns:a16="http://schemas.microsoft.com/office/drawing/2014/main" id="{0FB30D6C-D014-38AB-05F6-14D22601A639}"/>
+                <a16:creationId xmlns:a16="http://schemas.microsoft.com/office/drawing/2014/main" id="{3F865347-70C8-C29B-F031-8E935430521C}"/>
               </a:ext>
             </a:extLst>
           </p:cNvPr>
@@ -1131,7 +1131,7 @@
           <a:bodyPr/>
           <a:lstStyle/>
           <a:p>
-            <a:fld id="{04789853-7002-4C0F-B779-5B0F447E608B}" type="datetimeFigureOut">
+            <a:fld id="{0117C2A5-2298-4A4E-B4BC-04A129977EF1}" type="datetimeFigureOut">
               <a:rPr lang="zh-CN" altLang="en-US" smtClean="0"/>
               <a:t>2024/3/10</a:t>
             </a:fld>
@@ -1144,7 +1144,7 @@
           <p:cNvPr id="5" name="页脚占位符 4">
             <a:extLst>
               <a:ext uri="{FF2B5EF4-FFF2-40B4-BE49-F238E27FC236}">
-                <a16:creationId xmlns:a16="http://schemas.microsoft.com/office/drawing/2014/main" id="{7DAE8843-B2B8-089D-33AC-BA1DF04DD20C}"/>
+                <a16:creationId xmlns:a16="http://schemas.microsoft.com/office/drawing/2014/main" id="{079863AD-F4A2-5D16-A9B5-51849A101930}"/>
               </a:ext>
             </a:extLst>
           </p:cNvPr>
@@ -1169,7 +1169,7 @@
           <p:cNvPr id="6" name="灯片编号占位符 5">
             <a:extLst>
               <a:ext uri="{FF2B5EF4-FFF2-40B4-BE49-F238E27FC236}">
-                <a16:creationId xmlns:a16="http://schemas.microsoft.com/office/drawing/2014/main" id="{AB5A9962-B608-4272-F7E8-E610E936D2F4}"/>
+                <a16:creationId xmlns:a16="http://schemas.microsoft.com/office/drawing/2014/main" id="{DB6A08A3-92CB-ED18-92FE-FBA8A761DBAC}"/>
               </a:ext>
             </a:extLst>
           </p:cNvPr>
@@ -1185,7 +1185,7 @@
           <a:bodyPr/>
           <a:lstStyle/>
           <a:p>
-            <a:fld id="{B9D30F9C-882C-46BD-A886-F1FD0A1FA72F}" type="slidenum">
+            <a:fld id="{8F2AAA96-213E-462E-92AA-6D6DF9DFCA24}" type="slidenum">
               <a:rPr lang="zh-CN" altLang="en-US" smtClean="0"/>
               <a:t>‹#›</a:t>
             </a:fld>
@@ -1196,7 +1196,7 @@
     </p:spTree>
     <p:extLst>
       <p:ext uri="{BB962C8B-B14F-4D97-AF65-F5344CB8AC3E}">
-        <p14:creationId xmlns:p14="http://schemas.microsoft.com/office/powerpoint/2010/main" val="208337174"/>
+        <p14:creationId xmlns:p14="http://schemas.microsoft.com/office/powerpoint/2010/main" val="3670111666"/>
       </p:ext>
     </p:extLst>
   </p:cSld>
@@ -1228,7 +1228,7 @@
           <p:cNvPr id="2" name="标题 1">
             <a:extLst>
               <a:ext uri="{FF2B5EF4-FFF2-40B4-BE49-F238E27FC236}">
-                <a16:creationId xmlns:a16="http://schemas.microsoft.com/office/drawing/2014/main" id="{55919020-D80F-257C-DC73-979C77106CB3}"/>
+                <a16:creationId xmlns:a16="http://schemas.microsoft.com/office/drawing/2014/main" id="{9622FFEB-99A2-318E-311C-482F16CECA44}"/>
               </a:ext>
             </a:extLst>
           </p:cNvPr>
@@ -1256,7 +1256,7 @@
           <p:cNvPr id="3" name="内容占位符 2">
             <a:extLst>
               <a:ext uri="{FF2B5EF4-FFF2-40B4-BE49-F238E27FC236}">
-                <a16:creationId xmlns:a16="http://schemas.microsoft.com/office/drawing/2014/main" id="{675809DD-BF2F-FA84-8CE4-4E3D7CE49286}"/>
+                <a16:creationId xmlns:a16="http://schemas.microsoft.com/office/drawing/2014/main" id="{3EBACC89-4126-1B17-2282-8C31E4B076BE}"/>
               </a:ext>
             </a:extLst>
           </p:cNvPr>
@@ -1318,7 +1318,7 @@
           <p:cNvPr id="4" name="内容占位符 3">
             <a:extLst>
               <a:ext uri="{FF2B5EF4-FFF2-40B4-BE49-F238E27FC236}">
-                <a16:creationId xmlns:a16="http://schemas.microsoft.com/office/drawing/2014/main" id="{2CD3208E-D88A-F840-42FD-FFEB21309507}"/>
+                <a16:creationId xmlns:a16="http://schemas.microsoft.com/office/drawing/2014/main" id="{0FC6E0F3-CFDD-60F2-46F7-68521A8E1AE6}"/>
               </a:ext>
             </a:extLst>
           </p:cNvPr>
@@ -1380,7 +1380,7 @@
           <p:cNvPr id="5" name="日期占位符 4">
             <a:extLst>
               <a:ext uri="{FF2B5EF4-FFF2-40B4-BE49-F238E27FC236}">
-                <a16:creationId xmlns:a16="http://schemas.microsoft.com/office/drawing/2014/main" id="{B88384C9-0E4C-0F37-C9B5-CE0953287218}"/>
+                <a16:creationId xmlns:a16="http://schemas.microsoft.com/office/drawing/2014/main" id="{2AA58C69-0A2E-66D2-EE2B-4025175E26B2}"/>
               </a:ext>
             </a:extLst>
           </p:cNvPr>
@@ -1396,7 +1396,7 @@
           <a:bodyPr/>
           <a:lstStyle/>
           <a:p>
-            <a:fld id="{04789853-7002-4C0F-B779-5B0F447E608B}" type="datetimeFigureOut">
+            <a:fld id="{0117C2A5-2298-4A4E-B4BC-04A129977EF1}" type="datetimeFigureOut">
               <a:rPr lang="zh-CN" altLang="en-US" smtClean="0"/>
               <a:t>2024/3/10</a:t>
             </a:fld>
@@ -1409,7 +1409,7 @@
           <p:cNvPr id="6" name="页脚占位符 5">
             <a:extLst>
               <a:ext uri="{FF2B5EF4-FFF2-40B4-BE49-F238E27FC236}">
-                <a16:creationId xmlns:a16="http://schemas.microsoft.com/office/drawing/2014/main" id="{5FDC613E-5B03-CBF3-6A58-BFA40EC3B022}"/>
+                <a16:creationId xmlns:a16="http://schemas.microsoft.com/office/drawing/2014/main" id="{09C2B098-9780-0254-0A8E-03ABEA62682E}"/>
               </a:ext>
             </a:extLst>
           </p:cNvPr>
@@ -1434,7 +1434,7 @@
           <p:cNvPr id="7" name="灯片编号占位符 6">
             <a:extLst>
               <a:ext uri="{FF2B5EF4-FFF2-40B4-BE49-F238E27FC236}">
-                <a16:creationId xmlns:a16="http://schemas.microsoft.com/office/drawing/2014/main" id="{E6466445-9008-40FD-001B-060BB6333DC4}"/>
+                <a16:creationId xmlns:a16="http://schemas.microsoft.com/office/drawing/2014/main" id="{22899D78-D386-9078-315F-975DB6330808}"/>
               </a:ext>
             </a:extLst>
           </p:cNvPr>
@@ -1450,7 +1450,7 @@
           <a:bodyPr/>
           <a:lstStyle/>
           <a:p>
-            <a:fld id="{B9D30F9C-882C-46BD-A886-F1FD0A1FA72F}" type="slidenum">
+            <a:fld id="{8F2AAA96-213E-462E-92AA-6D6DF9DFCA24}" type="slidenum">
               <a:rPr lang="zh-CN" altLang="en-US" smtClean="0"/>
               <a:t>‹#›</a:t>
             </a:fld>
@@ -1461,7 +1461,7 @@
     </p:spTree>
     <p:extLst>
       <p:ext uri="{BB962C8B-B14F-4D97-AF65-F5344CB8AC3E}">
-        <p14:creationId xmlns:p14="http://schemas.microsoft.com/office/powerpoint/2010/main" val="3645484464"/>
+        <p14:creationId xmlns:p14="http://schemas.microsoft.com/office/powerpoint/2010/main" val="1368815162"/>
       </p:ext>
     </p:extLst>
   </p:cSld>
@@ -1493,7 +1493,7 @@
           <p:cNvPr id="2" name="标题 1">
             <a:extLst>
               <a:ext uri="{FF2B5EF4-FFF2-40B4-BE49-F238E27FC236}">
-                <a16:creationId xmlns:a16="http://schemas.microsoft.com/office/drawing/2014/main" id="{B89CB7EA-86B5-BE81-A481-4EADFBD9EFDE}"/>
+                <a16:creationId xmlns:a16="http://schemas.microsoft.com/office/drawing/2014/main" id="{2BFFC638-2C1B-C6E5-A51C-78589029768D}"/>
               </a:ext>
             </a:extLst>
           </p:cNvPr>
@@ -1526,7 +1526,7 @@
           <p:cNvPr id="3" name="文本占位符 2">
             <a:extLst>
               <a:ext uri="{FF2B5EF4-FFF2-40B4-BE49-F238E27FC236}">
-                <a16:creationId xmlns:a16="http://schemas.microsoft.com/office/drawing/2014/main" id="{44F8E057-2D02-B99D-212F-D3F1FF9AA2AC}"/>
+                <a16:creationId xmlns:a16="http://schemas.microsoft.com/office/drawing/2014/main" id="{8505FAB4-5733-7BD3-02EC-00296A6452AE}"/>
               </a:ext>
             </a:extLst>
           </p:cNvPr>
@@ -1597,7 +1597,7 @@
           <p:cNvPr id="4" name="内容占位符 3">
             <a:extLst>
               <a:ext uri="{FF2B5EF4-FFF2-40B4-BE49-F238E27FC236}">
-                <a16:creationId xmlns:a16="http://schemas.microsoft.com/office/drawing/2014/main" id="{3F4C6A0C-E867-E190-791C-967AA96E1C6A}"/>
+                <a16:creationId xmlns:a16="http://schemas.microsoft.com/office/drawing/2014/main" id="{EDF09128-3B63-0DE9-7018-F0A30B52A7CF}"/>
               </a:ext>
             </a:extLst>
           </p:cNvPr>
@@ -1659,7 +1659,7 @@
           <p:cNvPr id="5" name="文本占位符 4">
             <a:extLst>
               <a:ext uri="{FF2B5EF4-FFF2-40B4-BE49-F238E27FC236}">
-                <a16:creationId xmlns:a16="http://schemas.microsoft.com/office/drawing/2014/main" id="{A79CC881-4419-43DD-9CA4-D252ADF3E8FF}"/>
+                <a16:creationId xmlns:a16="http://schemas.microsoft.com/office/drawing/2014/main" id="{85DAD1C6-ED06-8635-9F70-5991BCBD0980}"/>
               </a:ext>
             </a:extLst>
           </p:cNvPr>
@@ -1730,7 +1730,7 @@
           <p:cNvPr id="6" name="内容占位符 5">
             <a:extLst>
               <a:ext uri="{FF2B5EF4-FFF2-40B4-BE49-F238E27FC236}">
-                <a16:creationId xmlns:a16="http://schemas.microsoft.com/office/drawing/2014/main" id="{C3FBBD1E-95EB-404C-9A5A-C89533D1B9E2}"/>
+                <a16:creationId xmlns:a16="http://schemas.microsoft.com/office/drawing/2014/main" id="{4D124E0C-42BD-6A47-2785-DBA37EB47B22}"/>
               </a:ext>
             </a:extLst>
           </p:cNvPr>
@@ -1792,7 +1792,7 @@
           <p:cNvPr id="7" name="日期占位符 6">
             <a:extLst>
               <a:ext uri="{FF2B5EF4-FFF2-40B4-BE49-F238E27FC236}">
-                <a16:creationId xmlns:a16="http://schemas.microsoft.com/office/drawing/2014/main" id="{56A5D7E8-987F-5C55-6E41-0AA45332430D}"/>
+                <a16:creationId xmlns:a16="http://schemas.microsoft.com/office/drawing/2014/main" id="{8897DBF8-13B2-E6F2-283B-CA0C9724B6AB}"/>
               </a:ext>
             </a:extLst>
           </p:cNvPr>
@@ -1808,7 +1808,7 @@
           <a:bodyPr/>
           <a:lstStyle/>
           <a:p>
-            <a:fld id="{04789853-7002-4C0F-B779-5B0F447E608B}" type="datetimeFigureOut">
+            <a:fld id="{0117C2A5-2298-4A4E-B4BC-04A129977EF1}" type="datetimeFigureOut">
               <a:rPr lang="zh-CN" altLang="en-US" smtClean="0"/>
               <a:t>2024/3/10</a:t>
             </a:fld>
@@ -1821,7 +1821,7 @@
           <p:cNvPr id="8" name="页脚占位符 7">
             <a:extLst>
               <a:ext uri="{FF2B5EF4-FFF2-40B4-BE49-F238E27FC236}">
-                <a16:creationId xmlns:a16="http://schemas.microsoft.com/office/drawing/2014/main" id="{F203D793-9A7A-5070-0D31-88016E9EBDD8}"/>
+                <a16:creationId xmlns:a16="http://schemas.microsoft.com/office/drawing/2014/main" id="{D3DB2F0F-EE15-0C8A-1DBA-1332B6E42813}"/>
               </a:ext>
             </a:extLst>
           </p:cNvPr>
@@ -1846,7 +1846,7 @@
           <p:cNvPr id="9" name="灯片编号占位符 8">
             <a:extLst>
               <a:ext uri="{FF2B5EF4-FFF2-40B4-BE49-F238E27FC236}">
-                <a16:creationId xmlns:a16="http://schemas.microsoft.com/office/drawing/2014/main" id="{EE8BFA43-15FD-A46B-0BED-3D5684EE7388}"/>
+                <a16:creationId xmlns:a16="http://schemas.microsoft.com/office/drawing/2014/main" id="{6295ED8F-3306-EC2A-E12A-AB2F3E6E00AE}"/>
               </a:ext>
             </a:extLst>
           </p:cNvPr>
@@ -1862,7 +1862,7 @@
           <a:bodyPr/>
           <a:lstStyle/>
           <a:p>
-            <a:fld id="{B9D30F9C-882C-46BD-A886-F1FD0A1FA72F}" type="slidenum">
+            <a:fld id="{8F2AAA96-213E-462E-92AA-6D6DF9DFCA24}" type="slidenum">
               <a:rPr lang="zh-CN" altLang="en-US" smtClean="0"/>
               <a:t>‹#›</a:t>
             </a:fld>
@@ -1873,7 +1873,7 @@
     </p:spTree>
     <p:extLst>
       <p:ext uri="{BB962C8B-B14F-4D97-AF65-F5344CB8AC3E}">
-        <p14:creationId xmlns:p14="http://schemas.microsoft.com/office/powerpoint/2010/main" val="988315171"/>
+        <p14:creationId xmlns:p14="http://schemas.microsoft.com/office/powerpoint/2010/main" val="3939899575"/>
       </p:ext>
     </p:extLst>
   </p:cSld>
@@ -1905,7 +1905,7 @@
           <p:cNvPr id="2" name="标题 1">
             <a:extLst>
               <a:ext uri="{FF2B5EF4-FFF2-40B4-BE49-F238E27FC236}">
-                <a16:creationId xmlns:a16="http://schemas.microsoft.com/office/drawing/2014/main" id="{F37C2A75-7E5C-B36D-8154-CC5DA46BB67D}"/>
+                <a16:creationId xmlns:a16="http://schemas.microsoft.com/office/drawing/2014/main" id="{B05F317D-E46E-1BEC-7690-C03B30AFB3A8}"/>
               </a:ext>
             </a:extLst>
           </p:cNvPr>
@@ -1933,7 +1933,7 @@
           <p:cNvPr id="3" name="日期占位符 2">
             <a:extLst>
               <a:ext uri="{FF2B5EF4-FFF2-40B4-BE49-F238E27FC236}">
-                <a16:creationId xmlns:a16="http://schemas.microsoft.com/office/drawing/2014/main" id="{E97E4D29-AAD1-B6FC-F23F-A5AFE14B460C}"/>
+                <a16:creationId xmlns:a16="http://schemas.microsoft.com/office/drawing/2014/main" id="{D3B64BDF-7571-29A4-CE6C-1B25AB021FAF}"/>
               </a:ext>
             </a:extLst>
           </p:cNvPr>
@@ -1949,7 +1949,7 @@
           <a:bodyPr/>
           <a:lstStyle/>
           <a:p>
-            <a:fld id="{04789853-7002-4C0F-B779-5B0F447E608B}" type="datetimeFigureOut">
+            <a:fld id="{0117C2A5-2298-4A4E-B4BC-04A129977EF1}" type="datetimeFigureOut">
               <a:rPr lang="zh-CN" altLang="en-US" smtClean="0"/>
               <a:t>2024/3/10</a:t>
             </a:fld>
@@ -1962,7 +1962,7 @@
           <p:cNvPr id="4" name="页脚占位符 3">
             <a:extLst>
               <a:ext uri="{FF2B5EF4-FFF2-40B4-BE49-F238E27FC236}">
-                <a16:creationId xmlns:a16="http://schemas.microsoft.com/office/drawing/2014/main" id="{D9918315-2446-02F8-A71E-AC77250A9BBF}"/>
+                <a16:creationId xmlns:a16="http://schemas.microsoft.com/office/drawing/2014/main" id="{8ED7D429-8885-29CD-199C-4328213C36AB}"/>
               </a:ext>
             </a:extLst>
           </p:cNvPr>
@@ -1987,7 +1987,7 @@
           <p:cNvPr id="5" name="灯片编号占位符 4">
             <a:extLst>
               <a:ext uri="{FF2B5EF4-FFF2-40B4-BE49-F238E27FC236}">
-                <a16:creationId xmlns:a16="http://schemas.microsoft.com/office/drawing/2014/main" id="{31D331E9-1EE7-1065-9556-B38E8B619974}"/>
+                <a16:creationId xmlns:a16="http://schemas.microsoft.com/office/drawing/2014/main" id="{30B6825E-4379-3F73-20FA-BEA8CB634519}"/>
               </a:ext>
             </a:extLst>
           </p:cNvPr>
@@ -2003,7 +2003,7 @@
           <a:bodyPr/>
           <a:lstStyle/>
           <a:p>
-            <a:fld id="{B9D30F9C-882C-46BD-A886-F1FD0A1FA72F}" type="slidenum">
+            <a:fld id="{8F2AAA96-213E-462E-92AA-6D6DF9DFCA24}" type="slidenum">
               <a:rPr lang="zh-CN" altLang="en-US" smtClean="0"/>
               <a:t>‹#›</a:t>
             </a:fld>
@@ -2014,7 +2014,7 @@
     </p:spTree>
     <p:extLst>
       <p:ext uri="{BB962C8B-B14F-4D97-AF65-F5344CB8AC3E}">
-        <p14:creationId xmlns:p14="http://schemas.microsoft.com/office/powerpoint/2010/main" val="3450074510"/>
+        <p14:creationId xmlns:p14="http://schemas.microsoft.com/office/powerpoint/2010/main" val="3972384867"/>
       </p:ext>
     </p:extLst>
   </p:cSld>
@@ -2046,7 +2046,7 @@
           <p:cNvPr id="2" name="日期占位符 1">
             <a:extLst>
               <a:ext uri="{FF2B5EF4-FFF2-40B4-BE49-F238E27FC236}">
-                <a16:creationId xmlns:a16="http://schemas.microsoft.com/office/drawing/2014/main" id="{A5128D94-3ECB-18F6-D52F-D1BB9450E9DC}"/>
+                <a16:creationId xmlns:a16="http://schemas.microsoft.com/office/drawing/2014/main" id="{BB7D5342-7BAC-F448-457E-19991D498059}"/>
               </a:ext>
             </a:extLst>
           </p:cNvPr>
@@ -2062,7 +2062,7 @@
           <a:bodyPr/>
           <a:lstStyle/>
           <a:p>
-            <a:fld id="{04789853-7002-4C0F-B779-5B0F447E608B}" type="datetimeFigureOut">
+            <a:fld id="{0117C2A5-2298-4A4E-B4BC-04A129977EF1}" type="datetimeFigureOut">
               <a:rPr lang="zh-CN" altLang="en-US" smtClean="0"/>
               <a:t>2024/3/10</a:t>
             </a:fld>
@@ -2075,7 +2075,7 @@
           <p:cNvPr id="3" name="页脚占位符 2">
             <a:extLst>
               <a:ext uri="{FF2B5EF4-FFF2-40B4-BE49-F238E27FC236}">
-                <a16:creationId xmlns:a16="http://schemas.microsoft.com/office/drawing/2014/main" id="{5677AE0F-8082-1B92-4242-BA219C3D7379}"/>
+                <a16:creationId xmlns:a16="http://schemas.microsoft.com/office/drawing/2014/main" id="{29A20ECB-ACCC-C190-696A-06F1263863E1}"/>
               </a:ext>
             </a:extLst>
           </p:cNvPr>
@@ -2100,7 +2100,7 @@
           <p:cNvPr id="4" name="灯片编号占位符 3">
             <a:extLst>
               <a:ext uri="{FF2B5EF4-FFF2-40B4-BE49-F238E27FC236}">
-                <a16:creationId xmlns:a16="http://schemas.microsoft.com/office/drawing/2014/main" id="{BDFCC11D-1884-01A1-CEE3-F518270F2616}"/>
+                <a16:creationId xmlns:a16="http://schemas.microsoft.com/office/drawing/2014/main" id="{22F9E385-1FBD-66FC-5C7E-E55976177613}"/>
               </a:ext>
             </a:extLst>
           </p:cNvPr>
@@ -2116,7 +2116,7 @@
           <a:bodyPr/>
           <a:lstStyle/>
           <a:p>
-            <a:fld id="{B9D30F9C-882C-46BD-A886-F1FD0A1FA72F}" type="slidenum">
+            <a:fld id="{8F2AAA96-213E-462E-92AA-6D6DF9DFCA24}" type="slidenum">
               <a:rPr lang="zh-CN" altLang="en-US" smtClean="0"/>
               <a:t>‹#›</a:t>
             </a:fld>
@@ -2127,7 +2127,7 @@
     </p:spTree>
     <p:extLst>
       <p:ext uri="{BB962C8B-B14F-4D97-AF65-F5344CB8AC3E}">
-        <p14:creationId xmlns:p14="http://schemas.microsoft.com/office/powerpoint/2010/main" val="2098251543"/>
+        <p14:creationId xmlns:p14="http://schemas.microsoft.com/office/powerpoint/2010/main" val="1327226664"/>
       </p:ext>
     </p:extLst>
   </p:cSld>
@@ -2159,7 +2159,7 @@
           <p:cNvPr id="2" name="标题 1">
             <a:extLst>
               <a:ext uri="{FF2B5EF4-FFF2-40B4-BE49-F238E27FC236}">
-                <a16:creationId xmlns:a16="http://schemas.microsoft.com/office/drawing/2014/main" id="{C8495665-B971-8619-2C53-BB6346D5D7A5}"/>
+                <a16:creationId xmlns:a16="http://schemas.microsoft.com/office/drawing/2014/main" id="{D49EE82D-E83D-6B6D-C03D-40C197380F13}"/>
               </a:ext>
             </a:extLst>
           </p:cNvPr>
@@ -2196,7 +2196,7 @@
           <p:cNvPr id="3" name="内容占位符 2">
             <a:extLst>
               <a:ext uri="{FF2B5EF4-FFF2-40B4-BE49-F238E27FC236}">
-                <a16:creationId xmlns:a16="http://schemas.microsoft.com/office/drawing/2014/main" id="{A77BCD73-653E-2900-D579-8B4865C438A7}"/>
+                <a16:creationId xmlns:a16="http://schemas.microsoft.com/office/drawing/2014/main" id="{CB1F2341-1477-4037-EEA4-B56C5A0DA4A0}"/>
               </a:ext>
             </a:extLst>
           </p:cNvPr>
@@ -2286,7 +2286,7 @@
           <p:cNvPr id="4" name="文本占位符 3">
             <a:extLst>
               <a:ext uri="{FF2B5EF4-FFF2-40B4-BE49-F238E27FC236}">
-                <a16:creationId xmlns:a16="http://schemas.microsoft.com/office/drawing/2014/main" id="{AB5F96FF-6F32-2018-F733-3E7859A5DAD3}"/>
+                <a16:creationId xmlns:a16="http://schemas.microsoft.com/office/drawing/2014/main" id="{BBC0A364-2008-443F-53FA-53DF645EC3D3}"/>
               </a:ext>
             </a:extLst>
           </p:cNvPr>
@@ -2357,7 +2357,7 @@
           <p:cNvPr id="5" name="日期占位符 4">
             <a:extLst>
               <a:ext uri="{FF2B5EF4-FFF2-40B4-BE49-F238E27FC236}">
-                <a16:creationId xmlns:a16="http://schemas.microsoft.com/office/drawing/2014/main" id="{6A1677BB-4CBB-53CA-797D-FEC43B80EF09}"/>
+                <a16:creationId xmlns:a16="http://schemas.microsoft.com/office/drawing/2014/main" id="{BF088E40-011A-AD66-E6F4-B50F22307CF7}"/>
               </a:ext>
             </a:extLst>
           </p:cNvPr>
@@ -2373,7 +2373,7 @@
           <a:bodyPr/>
           <a:lstStyle/>
           <a:p>
-            <a:fld id="{04789853-7002-4C0F-B779-5B0F447E608B}" type="datetimeFigureOut">
+            <a:fld id="{0117C2A5-2298-4A4E-B4BC-04A129977EF1}" type="datetimeFigureOut">
               <a:rPr lang="zh-CN" altLang="en-US" smtClean="0"/>
               <a:t>2024/3/10</a:t>
             </a:fld>
@@ -2386,7 +2386,7 @@
           <p:cNvPr id="6" name="页脚占位符 5">
             <a:extLst>
               <a:ext uri="{FF2B5EF4-FFF2-40B4-BE49-F238E27FC236}">
-                <a16:creationId xmlns:a16="http://schemas.microsoft.com/office/drawing/2014/main" id="{2DBAD2E5-2168-ADA7-D7F0-73E8F05BB5BC}"/>
+                <a16:creationId xmlns:a16="http://schemas.microsoft.com/office/drawing/2014/main" id="{754C6A00-8D5E-6D2A-9382-371E1B483BED}"/>
               </a:ext>
             </a:extLst>
           </p:cNvPr>
@@ -2411,7 +2411,7 @@
           <p:cNvPr id="7" name="灯片编号占位符 6">
             <a:extLst>
               <a:ext uri="{FF2B5EF4-FFF2-40B4-BE49-F238E27FC236}">
-                <a16:creationId xmlns:a16="http://schemas.microsoft.com/office/drawing/2014/main" id="{2D22066C-E71C-CC84-53B9-DCB507F31FB1}"/>
+                <a16:creationId xmlns:a16="http://schemas.microsoft.com/office/drawing/2014/main" id="{A8760B89-0A84-EA3C-C43E-1F247F1D3C33}"/>
               </a:ext>
             </a:extLst>
           </p:cNvPr>
@@ -2427,7 +2427,7 @@
           <a:bodyPr/>
           <a:lstStyle/>
           <a:p>
-            <a:fld id="{B9D30F9C-882C-46BD-A886-F1FD0A1FA72F}" type="slidenum">
+            <a:fld id="{8F2AAA96-213E-462E-92AA-6D6DF9DFCA24}" type="slidenum">
               <a:rPr lang="zh-CN" altLang="en-US" smtClean="0"/>
               <a:t>‹#›</a:t>
             </a:fld>
@@ -2438,7 +2438,7 @@
     </p:spTree>
     <p:extLst>
       <p:ext uri="{BB962C8B-B14F-4D97-AF65-F5344CB8AC3E}">
-        <p14:creationId xmlns:p14="http://schemas.microsoft.com/office/powerpoint/2010/main" val="530389321"/>
+        <p14:creationId xmlns:p14="http://schemas.microsoft.com/office/powerpoint/2010/main" val="901583977"/>
       </p:ext>
     </p:extLst>
   </p:cSld>
@@ -2470,7 +2470,7 @@
           <p:cNvPr id="2" name="标题 1">
             <a:extLst>
               <a:ext uri="{FF2B5EF4-FFF2-40B4-BE49-F238E27FC236}">
-                <a16:creationId xmlns:a16="http://schemas.microsoft.com/office/drawing/2014/main" id="{836635A0-C93F-F59C-237C-BC07E4831CAA}"/>
+                <a16:creationId xmlns:a16="http://schemas.microsoft.com/office/drawing/2014/main" id="{3139BE6F-8217-D29A-D82F-0DD242BBC3D8}"/>
               </a:ext>
             </a:extLst>
           </p:cNvPr>
@@ -2507,7 +2507,7 @@
           <p:cNvPr id="3" name="图片占位符 2">
             <a:extLst>
               <a:ext uri="{FF2B5EF4-FFF2-40B4-BE49-F238E27FC236}">
-                <a16:creationId xmlns:a16="http://schemas.microsoft.com/office/drawing/2014/main" id="{FBA28892-0382-3844-E2DD-50FB29C40090}"/>
+                <a16:creationId xmlns:a16="http://schemas.microsoft.com/office/drawing/2014/main" id="{D900FB35-4851-F3EB-6A24-C47E777EE038}"/>
               </a:ext>
             </a:extLst>
           </p:cNvPr>
@@ -2574,7 +2574,7 @@
           <p:cNvPr id="4" name="文本占位符 3">
             <a:extLst>
               <a:ext uri="{FF2B5EF4-FFF2-40B4-BE49-F238E27FC236}">
-                <a16:creationId xmlns:a16="http://schemas.microsoft.com/office/drawing/2014/main" id="{68096CEC-6EEC-214D-9DE4-61DB95824F65}"/>
+                <a16:creationId xmlns:a16="http://schemas.microsoft.com/office/drawing/2014/main" id="{5AB5FEA4-22C0-E7C5-AF80-0E89932E70A5}"/>
               </a:ext>
             </a:extLst>
           </p:cNvPr>
@@ -2645,7 +2645,7 @@
           <p:cNvPr id="5" name="日期占位符 4">
             <a:extLst>
               <a:ext uri="{FF2B5EF4-FFF2-40B4-BE49-F238E27FC236}">
-                <a16:creationId xmlns:a16="http://schemas.microsoft.com/office/drawing/2014/main" id="{96D4FAA9-50BF-4FE8-B886-FD4ABE587AB8}"/>
+                <a16:creationId xmlns:a16="http://schemas.microsoft.com/office/drawing/2014/main" id="{0CCCBFC0-2F8C-FB73-364F-D09C734346D4}"/>
               </a:ext>
             </a:extLst>
           </p:cNvPr>
@@ -2661,7 +2661,7 @@
           <a:bodyPr/>
           <a:lstStyle/>
           <a:p>
-            <a:fld id="{04789853-7002-4C0F-B779-5B0F447E608B}" type="datetimeFigureOut">
+            <a:fld id="{0117C2A5-2298-4A4E-B4BC-04A129977EF1}" type="datetimeFigureOut">
               <a:rPr lang="zh-CN" altLang="en-US" smtClean="0"/>
               <a:t>2024/3/10</a:t>
             </a:fld>
@@ -2674,7 +2674,7 @@
           <p:cNvPr id="6" name="页脚占位符 5">
             <a:extLst>
               <a:ext uri="{FF2B5EF4-FFF2-40B4-BE49-F238E27FC236}">
-                <a16:creationId xmlns:a16="http://schemas.microsoft.com/office/drawing/2014/main" id="{A2F659D2-F0F6-C2C8-2598-27768925EF5F}"/>
+                <a16:creationId xmlns:a16="http://schemas.microsoft.com/office/drawing/2014/main" id="{4160EB6F-CDAA-5AC5-2263-30D8B8180FE4}"/>
               </a:ext>
             </a:extLst>
           </p:cNvPr>
@@ -2699,7 +2699,7 @@
           <p:cNvPr id="7" name="灯片编号占位符 6">
             <a:extLst>
               <a:ext uri="{FF2B5EF4-FFF2-40B4-BE49-F238E27FC236}">
-                <a16:creationId xmlns:a16="http://schemas.microsoft.com/office/drawing/2014/main" id="{CA448981-44E0-C671-B547-7C9ACF48FCD9}"/>
+                <a16:creationId xmlns:a16="http://schemas.microsoft.com/office/drawing/2014/main" id="{962A346A-C7FC-DB21-9EE3-BE5493C189DE}"/>
               </a:ext>
             </a:extLst>
           </p:cNvPr>
@@ -2715,7 +2715,7 @@
           <a:bodyPr/>
           <a:lstStyle/>
           <a:p>
-            <a:fld id="{B9D30F9C-882C-46BD-A886-F1FD0A1FA72F}" type="slidenum">
+            <a:fld id="{8F2AAA96-213E-462E-92AA-6D6DF9DFCA24}" type="slidenum">
               <a:rPr lang="zh-CN" altLang="en-US" smtClean="0"/>
               <a:t>‹#›</a:t>
             </a:fld>
@@ -2726,7 +2726,7 @@
     </p:spTree>
     <p:extLst>
       <p:ext uri="{BB962C8B-B14F-4D97-AF65-F5344CB8AC3E}">
-        <p14:creationId xmlns:p14="http://schemas.microsoft.com/office/powerpoint/2010/main" val="2208021356"/>
+        <p14:creationId xmlns:p14="http://schemas.microsoft.com/office/powerpoint/2010/main" val="697746106"/>
       </p:ext>
     </p:extLst>
   </p:cSld>
@@ -2763,7 +2763,7 @@
           <p:cNvPr id="2" name="标题占位符 1">
             <a:extLst>
               <a:ext uri="{FF2B5EF4-FFF2-40B4-BE49-F238E27FC236}">
-                <a16:creationId xmlns:a16="http://schemas.microsoft.com/office/drawing/2014/main" id="{58DE38CA-E162-5EF9-EDC2-11897A377ED7}"/>
+                <a16:creationId xmlns:a16="http://schemas.microsoft.com/office/drawing/2014/main" id="{604F3F9F-C644-5129-47E5-1C4FDD0A2630}"/>
               </a:ext>
             </a:extLst>
           </p:cNvPr>
@@ -2801,7 +2801,7 @@
           <p:cNvPr id="3" name="文本占位符 2">
             <a:extLst>
               <a:ext uri="{FF2B5EF4-FFF2-40B4-BE49-F238E27FC236}">
-                <a16:creationId xmlns:a16="http://schemas.microsoft.com/office/drawing/2014/main" id="{843FFB40-6A0E-8060-1FF2-16707BA55FBD}"/>
+                <a16:creationId xmlns:a16="http://schemas.microsoft.com/office/drawing/2014/main" id="{A7ACB66E-4F59-C448-F155-F0A577799B71}"/>
               </a:ext>
             </a:extLst>
           </p:cNvPr>
@@ -2868,7 +2868,7 @@
           <p:cNvPr id="4" name="日期占位符 3">
             <a:extLst>
               <a:ext uri="{FF2B5EF4-FFF2-40B4-BE49-F238E27FC236}">
-                <a16:creationId xmlns:a16="http://schemas.microsoft.com/office/drawing/2014/main" id="{87DE9EE5-1B5E-1E5E-0231-616E6371A1CB}"/>
+                <a16:creationId xmlns:a16="http://schemas.microsoft.com/office/drawing/2014/main" id="{5CF3D1F9-EDB6-B6CD-D7E2-19360BFBF6A3}"/>
               </a:ext>
             </a:extLst>
           </p:cNvPr>
@@ -2902,7 +2902,7 @@
             </a:lvl1pPr>
           </a:lstStyle>
           <a:p>
-            <a:fld id="{04789853-7002-4C0F-B779-5B0F447E608B}" type="datetimeFigureOut">
+            <a:fld id="{0117C2A5-2298-4A4E-B4BC-04A129977EF1}" type="datetimeFigureOut">
               <a:rPr lang="zh-CN" altLang="en-US" smtClean="0"/>
               <a:t>2024/3/10</a:t>
             </a:fld>
@@ -2915,7 +2915,7 @@
           <p:cNvPr id="5" name="页脚占位符 4">
             <a:extLst>
               <a:ext uri="{FF2B5EF4-FFF2-40B4-BE49-F238E27FC236}">
-                <a16:creationId xmlns:a16="http://schemas.microsoft.com/office/drawing/2014/main" id="{85654F96-ACDA-5EAD-F9FE-59ED423DEE73}"/>
+                <a16:creationId xmlns:a16="http://schemas.microsoft.com/office/drawing/2014/main" id="{01EEB5CB-C843-B04C-C849-D1078D725808}"/>
               </a:ext>
             </a:extLst>
           </p:cNvPr>
@@ -2958,7 +2958,7 @@
           <p:cNvPr id="6" name="灯片编号占位符 5">
             <a:extLst>
               <a:ext uri="{FF2B5EF4-FFF2-40B4-BE49-F238E27FC236}">
-                <a16:creationId xmlns:a16="http://schemas.microsoft.com/office/drawing/2014/main" id="{8FF845FA-6390-89C3-6C28-C0939A59C38A}"/>
+                <a16:creationId xmlns:a16="http://schemas.microsoft.com/office/drawing/2014/main" id="{71460F01-82D7-2628-516B-8A3F24CF7EFB}"/>
               </a:ext>
             </a:extLst>
           </p:cNvPr>
@@ -2992,7 +2992,7 @@
             </a:lvl1pPr>
           </a:lstStyle>
           <a:p>
-            <a:fld id="{B9D30F9C-882C-46BD-A886-F1FD0A1FA72F}" type="slidenum">
+            <a:fld id="{8F2AAA96-213E-462E-92AA-6D6DF9DFCA24}" type="slidenum">
               <a:rPr lang="zh-CN" altLang="en-US" smtClean="0"/>
               <a:t>‹#›</a:t>
             </a:fld>
@@ -3003,7 +3003,7 @@
     </p:spTree>
     <p:extLst>
       <p:ext uri="{BB962C8B-B14F-4D97-AF65-F5344CB8AC3E}">
-        <p14:creationId xmlns:p14="http://schemas.microsoft.com/office/powerpoint/2010/main" val="4087966725"/>
+        <p14:creationId xmlns:p14="http://schemas.microsoft.com/office/powerpoint/2010/main" val="101368765"/>
       </p:ext>
     </p:extLst>
   </p:cSld>
